--- a/SoCG_1a_4_hopspanners.pptx
+++ b/SoCG_1a_4_hopspanners.pptx
@@ -156,6 +156,11 @@
       </a:defRPr>
     </a:lvl9pPr>
   </p:defaultTextStyle>
+  <p:extLst>
+    <p:ext uri="{EFAFB233-063F-42B5-8137-9DF3F51BA10A}">
+      <p15:sldGuideLst xmlns:p15="http://schemas.microsoft.com/office/powerpoint/2012/main"/>
+    </p:ext>
+  </p:extLst>
 </p:presentation>
 </file>
 
@@ -241,7 +246,7 @@
           <a:p>
             <a:fld id="{591D2116-7BD2-994C-85F3-325586641445}" type="datetimeFigureOut">
               <a:rPr lang="en-US" smtClean="0"/>
-              <a:t>6/6/22</a:t>
+              <a:t>6/7/22</a:t>
             </a:fld>
             <a:endParaRPr lang="en-US"/>
           </a:p>
@@ -5432,7 +5437,7 @@
           <a:p>
             <a:fld id="{34E9C423-1482-474B-88B5-79F93AAB2EA9}" type="datetimeFigureOut">
               <a:rPr lang="en-US" smtClean="0"/>
-              <a:t>6/6/22</a:t>
+              <a:t>6/7/22</a:t>
             </a:fld>
             <a:endParaRPr lang="en-US"/>
           </a:p>
@@ -5602,7 +5607,7 @@
           <a:p>
             <a:fld id="{34E9C423-1482-474B-88B5-79F93AAB2EA9}" type="datetimeFigureOut">
               <a:rPr lang="en-US" smtClean="0"/>
-              <a:t>6/6/22</a:t>
+              <a:t>6/7/22</a:t>
             </a:fld>
             <a:endParaRPr lang="en-US"/>
           </a:p>
@@ -5782,7 +5787,7 @@
           <a:p>
             <a:fld id="{34E9C423-1482-474B-88B5-79F93AAB2EA9}" type="datetimeFigureOut">
               <a:rPr lang="en-US" smtClean="0"/>
-              <a:t>6/6/22</a:t>
+              <a:t>6/7/22</a:t>
             </a:fld>
             <a:endParaRPr lang="en-US"/>
           </a:p>
@@ -5952,7 +5957,7 @@
           <a:p>
             <a:fld id="{34E9C423-1482-474B-88B5-79F93AAB2EA9}" type="datetimeFigureOut">
               <a:rPr lang="en-US" smtClean="0"/>
-              <a:t>6/6/22</a:t>
+              <a:t>6/7/22</a:t>
             </a:fld>
             <a:endParaRPr lang="en-US"/>
           </a:p>
@@ -6196,7 +6201,7 @@
           <a:p>
             <a:fld id="{34E9C423-1482-474B-88B5-79F93AAB2EA9}" type="datetimeFigureOut">
               <a:rPr lang="en-US" smtClean="0"/>
-              <a:t>6/6/22</a:t>
+              <a:t>6/7/22</a:t>
             </a:fld>
             <a:endParaRPr lang="en-US"/>
           </a:p>
@@ -6428,7 +6433,7 @@
           <a:p>
             <a:fld id="{34E9C423-1482-474B-88B5-79F93AAB2EA9}" type="datetimeFigureOut">
               <a:rPr lang="en-US" smtClean="0"/>
-              <a:t>6/6/22</a:t>
+              <a:t>6/7/22</a:t>
             </a:fld>
             <a:endParaRPr lang="en-US"/>
           </a:p>
@@ -6795,7 +6800,7 @@
           <a:p>
             <a:fld id="{34E9C423-1482-474B-88B5-79F93AAB2EA9}" type="datetimeFigureOut">
               <a:rPr lang="en-US" smtClean="0"/>
-              <a:t>6/6/22</a:t>
+              <a:t>6/7/22</a:t>
             </a:fld>
             <a:endParaRPr lang="en-US"/>
           </a:p>
@@ -6913,7 +6918,7 @@
           <a:p>
             <a:fld id="{34E9C423-1482-474B-88B5-79F93AAB2EA9}" type="datetimeFigureOut">
               <a:rPr lang="en-US" smtClean="0"/>
-              <a:t>6/6/22</a:t>
+              <a:t>6/7/22</a:t>
             </a:fld>
             <a:endParaRPr lang="en-US"/>
           </a:p>
@@ -7008,7 +7013,7 @@
           <a:p>
             <a:fld id="{34E9C423-1482-474B-88B5-79F93AAB2EA9}" type="datetimeFigureOut">
               <a:rPr lang="en-US" smtClean="0"/>
-              <a:t>6/6/22</a:t>
+              <a:t>6/7/22</a:t>
             </a:fld>
             <a:endParaRPr lang="en-US"/>
           </a:p>
@@ -7285,7 +7290,7 @@
           <a:p>
             <a:fld id="{34E9C423-1482-474B-88B5-79F93AAB2EA9}" type="datetimeFigureOut">
               <a:rPr lang="en-US" smtClean="0"/>
-              <a:t>6/6/22</a:t>
+              <a:t>6/7/22</a:t>
             </a:fld>
             <a:endParaRPr lang="en-US"/>
           </a:p>
@@ -7542,7 +7547,7 @@
           <a:p>
             <a:fld id="{34E9C423-1482-474B-88B5-79F93AAB2EA9}" type="datetimeFigureOut">
               <a:rPr lang="en-US" smtClean="0"/>
-              <a:t>6/6/22</a:t>
+              <a:t>6/7/22</a:t>
             </a:fld>
             <a:endParaRPr lang="en-US"/>
           </a:p>
@@ -7755,7 +7760,7 @@
           <a:p>
             <a:fld id="{34E9C423-1482-474B-88B5-79F93AAB2EA9}" type="datetimeFigureOut">
               <a:rPr lang="en-US" smtClean="0"/>
-              <a:t>6/6/22</a:t>
+              <a:t>6/7/22</a:t>
             </a:fld>
             <a:endParaRPr lang="en-US"/>
           </a:p>
@@ -9422,10 +9427,10 @@
       </p:grpSpPr>
       <p:pic>
         <p:nvPicPr>
-          <p:cNvPr id="3" name="Picture 2">
+          <p:cNvPr id="2" name="Picture 1">
             <a:extLst>
               <a:ext uri="{FF2B5EF4-FFF2-40B4-BE49-F238E27FC236}">
-                <a16:creationId xmlns:a16="http://schemas.microsoft.com/office/drawing/2014/main" id="{E55D4EBB-670D-5954-151E-A8F6CD216ABB}"/>
+                <a16:creationId xmlns:a16="http://schemas.microsoft.com/office/drawing/2014/main" id="{CA0FE5FE-D917-25A0-70D6-3B66B339C998}"/>
               </a:ext>
             </a:extLst>
           </p:cNvPr>
@@ -9542,10 +9547,10 @@
       </p:grpSpPr>
       <p:pic>
         <p:nvPicPr>
-          <p:cNvPr id="3" name="Picture 2">
+          <p:cNvPr id="2" name="Picture 1">
             <a:extLst>
               <a:ext uri="{FF2B5EF4-FFF2-40B4-BE49-F238E27FC236}">
-                <a16:creationId xmlns:a16="http://schemas.microsoft.com/office/drawing/2014/main" id="{E047048C-81C6-377E-0FBD-C503A45973EA}"/>
+                <a16:creationId xmlns:a16="http://schemas.microsoft.com/office/drawing/2014/main" id="{E54460E3-25C1-002F-3975-4BC51A8B3881}"/>
               </a:ext>
             </a:extLst>
           </p:cNvPr>
@@ -9562,8 +9567,8 @@
         </p:blipFill>
         <p:spPr>
           <a:xfrm>
-            <a:off x="-1" y="0"/>
-            <a:ext cx="9152405" cy="6858000"/>
+            <a:off x="0" y="3149"/>
+            <a:ext cx="9148202" cy="6854851"/>
           </a:xfrm>
           <a:prstGeom prst="rect">
             <a:avLst/>
@@ -9602,10 +9607,10 @@
       </p:grpSpPr>
       <p:pic>
         <p:nvPicPr>
-          <p:cNvPr id="3" name="Picture 2">
+          <p:cNvPr id="2" name="Picture 1">
             <a:extLst>
               <a:ext uri="{FF2B5EF4-FFF2-40B4-BE49-F238E27FC236}">
-                <a16:creationId xmlns:a16="http://schemas.microsoft.com/office/drawing/2014/main" id="{88A5569C-B14E-DB05-55B1-70E7A27E97CF}"/>
+                <a16:creationId xmlns:a16="http://schemas.microsoft.com/office/drawing/2014/main" id="{814196F6-7808-5C68-F25D-C0B0D0D0A0A2}"/>
               </a:ext>
             </a:extLst>
           </p:cNvPr>
@@ -9623,7 +9628,7 @@
         <p:spPr>
           <a:xfrm>
             <a:off x="0" y="3149"/>
-            <a:ext cx="9148202" cy="6854851"/>
+            <a:ext cx="9144000" cy="6851702"/>
           </a:xfrm>
           <a:prstGeom prst="rect">
             <a:avLst/>
